--- a/Презентация1.pptx
+++ b/Презентация1.pptx
@@ -5,9 +5,10 @@
     <p:sldMasterId id="2147483737" r:id="rId1"/>
   </p:sldMasterIdLst>
   <p:sldIdLst>
-    <p:sldId id="256" r:id="rId2"/>
-    <p:sldId id="257" r:id="rId3"/>
-    <p:sldId id="258" r:id="rId4"/>
+    <p:sldId id="259" r:id="rId2"/>
+    <p:sldId id="256" r:id="rId3"/>
+    <p:sldId id="257" r:id="rId4"/>
+    <p:sldId id="258" r:id="rId5"/>
   </p:sldIdLst>
   <p:sldSz cx="12192000" cy="6858000"/>
   <p:notesSz cx="6858000" cy="9144000"/>
@@ -106,6 +107,11 @@
       </a:defRPr>
     </a:lvl9pPr>
   </p:defaultTextStyle>
+  <p:extLst>
+    <p:ext uri="{EFAFB233-063F-42B5-8137-9DF3F51BA10A}">
+      <p15:sldGuideLst xmlns:p15="http://schemas.microsoft.com/office/powerpoint/2012/main"/>
+    </p:ext>
+  </p:extLst>
 </p:presentation>
 </file>
 
@@ -5747,6 +5753,239 @@
           <p:cNvPr id="2" name="Заголовок 1">
             <a:extLst>
               <a:ext uri="{FF2B5EF4-FFF2-40B4-BE49-F238E27FC236}">
+                <a16:creationId xmlns:a16="http://schemas.microsoft.com/office/drawing/2014/main" id="{1EED8FB4-1B9F-401F-8FB8-19777EBD4E07}"/>
+              </a:ext>
+            </a:extLst>
+          </p:cNvPr>
+          <p:cNvSpPr>
+            <a:spLocks noGrp="1"/>
+          </p:cNvSpPr>
+          <p:nvPr>
+            <p:ph type="title"/>
+          </p:nvPr>
+        </p:nvSpPr>
+        <p:spPr/>
+        <p:txBody>
+          <a:bodyPr/>
+          <a:lstStyle/>
+          <a:p>
+            <a:r>
+              <a:rPr lang="en-US" dirty="0"/>
+              <a:t>Directed by</a:t>
+            </a:r>
+            <a:endParaRPr lang="ru-RU" dirty="0"/>
+          </a:p>
+        </p:txBody>
+      </p:sp>
+      <p:sp>
+        <p:nvSpPr>
+          <p:cNvPr id="3" name="Объект 2">
+            <a:extLst>
+              <a:ext uri="{FF2B5EF4-FFF2-40B4-BE49-F238E27FC236}">
+                <a16:creationId xmlns:a16="http://schemas.microsoft.com/office/drawing/2014/main" id="{5697DF71-4467-41D6-B32A-9A8A52B623F6}"/>
+              </a:ext>
+            </a:extLst>
+          </p:cNvPr>
+          <p:cNvSpPr>
+            <a:spLocks noGrp="1"/>
+          </p:cNvSpPr>
+          <p:nvPr>
+            <p:ph idx="1"/>
+          </p:nvPr>
+        </p:nvSpPr>
+        <p:spPr>
+          <a:xfrm>
+            <a:off x="8642958" y="1925251"/>
+            <a:ext cx="2988501" cy="4024125"/>
+          </a:xfrm>
+        </p:spPr>
+        <p:txBody>
+          <a:bodyPr/>
+          <a:lstStyle/>
+          <a:p>
+            <a:pPr marL="0" indent="0">
+              <a:buNone/>
+            </a:pPr>
+            <a:r>
+              <a:rPr lang="en-US" dirty="0"/>
+              <a:t>Darin &amp; </a:t>
+            </a:r>
+            <a:r>
+              <a:rPr lang="en-US" dirty="0" err="1"/>
+              <a:t>Zerowan</a:t>
+            </a:r>
+            <a:endParaRPr lang="ru-RU" dirty="0"/>
+          </a:p>
+        </p:txBody>
+      </p:sp>
+    </p:spTree>
+    <p:extLst>
+      <p:ext uri="{BB962C8B-B14F-4D97-AF65-F5344CB8AC3E}">
+        <p14:creationId xmlns:p14="http://schemas.microsoft.com/office/powerpoint/2010/main" val="2093930911"/>
+      </p:ext>
+    </p:extLst>
+  </p:cSld>
+  <p:clrMapOvr>
+    <a:masterClrMapping/>
+  </p:clrMapOvr>
+  <p:timing>
+    <p:tnLst>
+      <p:par>
+        <p:cTn id="1" dur="indefinite" restart="never" nodeType="tmRoot">
+          <p:childTnLst>
+            <p:seq concurrent="1" nextAc="seek">
+              <p:cTn id="2" dur="indefinite" nodeType="mainSeq">
+                <p:childTnLst>
+                  <p:par>
+                    <p:cTn id="3" fill="hold">
+                      <p:stCondLst>
+                        <p:cond delay="indefinite"/>
+                        <p:cond evt="onBegin" delay="0">
+                          <p:tn val="2"/>
+                        </p:cond>
+                      </p:stCondLst>
+                      <p:childTnLst>
+                        <p:par>
+                          <p:cTn id="4" fill="hold">
+                            <p:stCondLst>
+                              <p:cond delay="0"/>
+                            </p:stCondLst>
+                            <p:childTnLst>
+                              <p:par>
+                                <p:cTn id="5" presetID="10" presetClass="entr" presetSubtype="0" fill="hold" grpId="0" nodeType="withEffect">
+                                  <p:stCondLst>
+                                    <p:cond delay="0"/>
+                                  </p:stCondLst>
+                                  <p:childTnLst>
+                                    <p:set>
+                                      <p:cBhvr>
+                                        <p:cTn id="6" dur="1" fill="hold">
+                                          <p:stCondLst>
+                                            <p:cond delay="0"/>
+                                          </p:stCondLst>
+                                        </p:cTn>
+                                        <p:tgtEl>
+                                          <p:spTgt spid="2"/>
+                                        </p:tgtEl>
+                                        <p:attrNameLst>
+                                          <p:attrName>style.visibility</p:attrName>
+                                        </p:attrNameLst>
+                                      </p:cBhvr>
+                                      <p:to>
+                                        <p:strVal val="visible"/>
+                                      </p:to>
+                                    </p:set>
+                                    <p:animEffect transition="in" filter="fade">
+                                      <p:cBhvr>
+                                        <p:cTn id="7" dur="500"/>
+                                        <p:tgtEl>
+                                          <p:spTgt spid="2"/>
+                                        </p:tgtEl>
+                                      </p:cBhvr>
+                                    </p:animEffect>
+                                  </p:childTnLst>
+                                </p:cTn>
+                              </p:par>
+                              <p:par>
+                                <p:cTn id="8" presetID="10" presetClass="entr" presetSubtype="0" fill="hold" grpId="0" nodeType="withEffect">
+                                  <p:stCondLst>
+                                    <p:cond delay="0"/>
+                                  </p:stCondLst>
+                                  <p:childTnLst>
+                                    <p:set>
+                                      <p:cBhvr>
+                                        <p:cTn id="9" dur="1" fill="hold">
+                                          <p:stCondLst>
+                                            <p:cond delay="0"/>
+                                          </p:stCondLst>
+                                        </p:cTn>
+                                        <p:tgtEl>
+                                          <p:spTgt spid="3">
+                                            <p:txEl>
+                                              <p:pRg st="0" end="0"/>
+                                            </p:txEl>
+                                          </p:spTgt>
+                                        </p:tgtEl>
+                                        <p:attrNameLst>
+                                          <p:attrName>style.visibility</p:attrName>
+                                        </p:attrNameLst>
+                                      </p:cBhvr>
+                                      <p:to>
+                                        <p:strVal val="visible"/>
+                                      </p:to>
+                                    </p:set>
+                                    <p:animEffect transition="in" filter="fade">
+                                      <p:cBhvr>
+                                        <p:cTn id="10" dur="500"/>
+                                        <p:tgtEl>
+                                          <p:spTgt spid="3">
+                                            <p:txEl>
+                                              <p:pRg st="0" end="0"/>
+                                            </p:txEl>
+                                          </p:spTgt>
+                                        </p:tgtEl>
+                                      </p:cBhvr>
+                                    </p:animEffect>
+                                  </p:childTnLst>
+                                </p:cTn>
+                              </p:par>
+                            </p:childTnLst>
+                          </p:cTn>
+                        </p:par>
+                      </p:childTnLst>
+                    </p:cTn>
+                  </p:par>
+                </p:childTnLst>
+              </p:cTn>
+              <p:prevCondLst>
+                <p:cond evt="onPrev" delay="0">
+                  <p:tgtEl>
+                    <p:sldTgt/>
+                  </p:tgtEl>
+                </p:cond>
+              </p:prevCondLst>
+              <p:nextCondLst>
+                <p:cond evt="onNext" delay="0">
+                  <p:tgtEl>
+                    <p:sldTgt/>
+                  </p:tgtEl>
+                </p:cond>
+              </p:nextCondLst>
+            </p:seq>
+          </p:childTnLst>
+        </p:cTn>
+      </p:par>
+    </p:tnLst>
+    <p:bldLst>
+      <p:bldP spid="2" grpId="0"/>
+      <p:bldP spid="3" grpId="0" build="p"/>
+    </p:bldLst>
+  </p:timing>
+</p:sld>
+</file>
+
+<file path=ppt/slides/slide2.xml><?xml version="1.0" encoding="utf-8"?>
+<p:sld xmlns:a="http://schemas.openxmlformats.org/drawingml/2006/main" xmlns:r="http://schemas.openxmlformats.org/officeDocument/2006/relationships" xmlns:p="http://schemas.openxmlformats.org/presentationml/2006/main">
+  <p:cSld>
+    <p:spTree>
+      <p:nvGrpSpPr>
+        <p:cNvPr id="1" name=""/>
+        <p:cNvGrpSpPr/>
+        <p:nvPr/>
+      </p:nvGrpSpPr>
+      <p:grpSpPr>
+        <a:xfrm>
+          <a:off x="0" y="0"/>
+          <a:ext cx="0" cy="0"/>
+          <a:chOff x="0" y="0"/>
+          <a:chExt cx="0" cy="0"/>
+        </a:xfrm>
+      </p:grpSpPr>
+      <p:sp>
+        <p:nvSpPr>
+          <p:cNvPr id="2" name="Заголовок 1">
+            <a:extLst>
+              <a:ext uri="{FF2B5EF4-FFF2-40B4-BE49-F238E27FC236}">
                 <a16:creationId xmlns:a16="http://schemas.microsoft.com/office/drawing/2014/main" id="{59FEBC14-C913-4155-B9BF-A3C0CBF8FFB9}"/>
               </a:ext>
             </a:extLst>
@@ -5841,7 +6080,7 @@
 </p:sld>
 </file>
 
-<file path=ppt/slides/slide2.xml><?xml version="1.0" encoding="utf-8"?>
+<file path=ppt/slides/slide3.xml><?xml version="1.0" encoding="utf-8"?>
 <p:sld xmlns:a="http://schemas.openxmlformats.org/drawingml/2006/main" xmlns:r="http://schemas.openxmlformats.org/officeDocument/2006/relationships" xmlns:p="http://schemas.openxmlformats.org/presentationml/2006/main">
   <p:cSld>
     <p:spTree>
@@ -5941,7 +6180,7 @@
 </p:sld>
 </file>
 
-<file path=ppt/slides/slide3.xml><?xml version="1.0" encoding="utf-8"?>
+<file path=ppt/slides/slide4.xml><?xml version="1.0" encoding="utf-8"?>
 <p:sld xmlns:a="http://schemas.openxmlformats.org/drawingml/2006/main" xmlns:r="http://schemas.openxmlformats.org/officeDocument/2006/relationships" xmlns:p="http://schemas.openxmlformats.org/presentationml/2006/main">
   <p:cSld>
     <p:spTree>
